--- a/BaoCaoDoAnDBMS.pptx
+++ b/BaoCaoDoAnDBMS.pptx
@@ -207,7 +207,7 @@
           <a:p>
             <a:fld id="{330DD36D-0D19-4874-8954-0925D532D610}" type="datetimeFigureOut">
               <a:rPr lang="en-US" smtClean="0"/>
-              <a:t>12/23/2019</a:t>
+              <a:t>12/25/2019</a:t>
             </a:fld>
             <a:endParaRPr lang="en-US"/>
           </a:p>
@@ -878,7 +878,7 @@
           <a:p>
             <a:fld id="{249B45D0-7E82-4276-8E3D-1E925B6BDE27}" type="datetime1">
               <a:rPr lang="en-US" smtClean="0"/>
-              <a:t>12/23/2019</a:t>
+              <a:t>12/25/2019</a:t>
             </a:fld>
             <a:endParaRPr lang="en-US" dirty="0"/>
           </a:p>
@@ -1053,7 +1053,7 @@
           <a:p>
             <a:fld id="{CCF4CC26-1A21-4617-9BC9-0C0E93D25710}" type="datetime1">
               <a:rPr lang="en-US" smtClean="0"/>
-              <a:t>12/23/2019</a:t>
+              <a:t>12/25/2019</a:t>
             </a:fld>
             <a:endParaRPr lang="en-US" dirty="0"/>
           </a:p>
@@ -1228,7 +1228,7 @@
           <a:p>
             <a:fld id="{B6A79C51-C5FC-40E3-A682-EE64AD1EC35A}" type="datetime1">
               <a:rPr lang="en-US" smtClean="0"/>
-              <a:t>12/23/2019</a:t>
+              <a:t>12/25/2019</a:t>
             </a:fld>
             <a:endParaRPr lang="en-US" dirty="0"/>
           </a:p>
@@ -1393,7 +1393,7 @@
           <a:p>
             <a:fld id="{2C59BC8F-C8F4-47A0-9723-05096A2C4E96}" type="datetime1">
               <a:rPr lang="en-US" smtClean="0"/>
-              <a:t>12/23/2019</a:t>
+              <a:t>12/25/2019</a:t>
             </a:fld>
             <a:endParaRPr lang="en-US" dirty="0"/>
           </a:p>
@@ -1701,7 +1701,7 @@
           <a:p>
             <a:fld id="{58272461-3009-487E-8B63-FBAAA13C26D8}" type="datetime1">
               <a:rPr lang="en-US" smtClean="0"/>
-              <a:t>12/23/2019</a:t>
+              <a:t>12/25/2019</a:t>
             </a:fld>
             <a:endParaRPr lang="en-US" dirty="0"/>
           </a:p>
@@ -2083,7 +2083,7 @@
           <a:p>
             <a:fld id="{A8D46482-66FC-4517-B45A-91314EA47A2B}" type="datetime1">
               <a:rPr lang="en-US" smtClean="0"/>
-              <a:t>12/23/2019</a:t>
+              <a:t>12/25/2019</a:t>
             </a:fld>
             <a:endParaRPr lang="en-US" dirty="0"/>
           </a:p>
@@ -2512,7 +2512,7 @@
           <a:p>
             <a:fld id="{4E0A1470-A005-417B-80C1-CE5E5D6FFBB1}" type="datetime1">
               <a:rPr lang="en-US" smtClean="0"/>
-              <a:t>12/23/2019</a:t>
+              <a:t>12/25/2019</a:t>
             </a:fld>
             <a:endParaRPr lang="en-US" dirty="0"/>
           </a:p>
@@ -2625,7 +2625,7 @@
           <a:p>
             <a:fld id="{BE6231BA-B29C-4E27-8242-7FE5C4DA8537}" type="datetime1">
               <a:rPr lang="en-US" smtClean="0"/>
-              <a:t>12/23/2019</a:t>
+              <a:t>12/25/2019</a:t>
             </a:fld>
             <a:endParaRPr lang="en-US" dirty="0"/>
           </a:p>
@@ -2715,7 +2715,7 @@
           <a:p>
             <a:fld id="{53F80CFD-696D-4B8A-9D22-AB23055B6EF1}" type="datetime1">
               <a:rPr lang="en-US" smtClean="0"/>
-              <a:t>12/23/2019</a:t>
+              <a:t>12/25/2019</a:t>
             </a:fld>
             <a:endParaRPr lang="en-US" dirty="0"/>
           </a:p>
@@ -3060,7 +3060,7 @@
           <a:p>
             <a:fld id="{29DCD787-4128-45A2-B82D-F091F20FC260}" type="datetime1">
               <a:rPr lang="en-US" smtClean="0"/>
-              <a:t>12/23/2019</a:t>
+              <a:t>12/25/2019</a:t>
             </a:fld>
             <a:endParaRPr lang="en-US" dirty="0"/>
           </a:p>
@@ -3480,7 +3480,7 @@
           <a:p>
             <a:fld id="{EF9BAEA4-0514-4EAD-87A1-89E00C7ACAB6}" type="datetime1">
               <a:rPr lang="en-US" smtClean="0"/>
-              <a:t>12/23/2019</a:t>
+              <a:t>12/25/2019</a:t>
             </a:fld>
             <a:endParaRPr lang="en-US" dirty="0"/>
           </a:p>
@@ -3786,7 +3786,7 @@
           <a:p>
             <a:fld id="{A80C9EA1-93F7-4660-BE61-F5078B2FA515}" type="datetime1">
               <a:rPr lang="en-US" smtClean="0"/>
-              <a:t>12/23/2019</a:t>
+              <a:t>12/25/2019</a:t>
             </a:fld>
             <a:endParaRPr lang="en-US" dirty="0"/>
           </a:p>
@@ -7469,30 +7469,6 @@
           <a:chExt cx="0" cy="0"/>
         </a:xfrm>
       </p:grpSpPr>
-      <p:pic>
-        <p:nvPicPr>
-          <p:cNvPr id="2" name="Hình ảnh 1"/>
-          <p:cNvPicPr>
-            <a:picLocks noChangeAspect="1"/>
-          </p:cNvPicPr>
-          <p:nvPr/>
-        </p:nvPicPr>
-        <p:blipFill>
-          <a:blip r:embed="rId2"/>
-          <a:stretch>
-            <a:fillRect/>
-          </a:stretch>
-        </p:blipFill>
-        <p:spPr>
-          <a:xfrm>
-            <a:off x="2133722" y="1822791"/>
-            <a:ext cx="7541723" cy="4637829"/>
-          </a:xfrm>
-          <a:prstGeom prst="rect">
-            <a:avLst/>
-          </a:prstGeom>
-        </p:spPr>
-      </p:pic>
       <p:sp>
         <p:nvSpPr>
           <p:cNvPr id="4" name="Hộp Văn bản 3"/>
@@ -7710,6 +7686,28 @@
           </a:p>
         </p:txBody>
       </p:sp>
+      <p:pic>
+        <p:nvPicPr>
+          <p:cNvPr id="5" name="Picture 83"/>
+          <p:cNvPicPr/>
+          <p:nvPr/>
+        </p:nvPicPr>
+        <p:blipFill>
+          <a:blip r:embed="rId2"/>
+          <a:stretch>
+            <a:fillRect/>
+          </a:stretch>
+        </p:blipFill>
+        <p:spPr>
+          <a:xfrm>
+            <a:off x="2656114" y="1532709"/>
+            <a:ext cx="6174378" cy="5035532"/>
+          </a:xfrm>
+          <a:prstGeom prst="rect">
+            <a:avLst/>
+          </a:prstGeom>
+        </p:spPr>
+      </p:pic>
     </p:spTree>
     <p:extLst>
       <p:ext uri="{BB962C8B-B14F-4D97-AF65-F5344CB8AC3E}">
